--- a/DA_14_Kafka.pptx
+++ b/DA_14_Kafka.pptx
@@ -106,6 +106,11 @@
       </a:defRPr>
     </a:lvl9pPr>
   </p:defaultTextStyle>
+  <p:extLst>
+    <p:ext uri="{EFAFB233-063F-42B5-8137-9DF3F51BA10A}">
+      <p15:sldGuideLst xmlns:p15="http://schemas.microsoft.com/office/powerpoint/2012/main"/>
+    </p:ext>
+  </p:extLst>
 </p:presentation>
 </file>
 
@@ -255,7 +260,7 @@
           <a:lstStyle/>
           <a:p>
             <a:fld id="{F7779CE4-B25A-5A49-BE4F-3CECA40299EA}" type="datetimeFigureOut">
-              <a:t>11/23/21</a:t>
+              <a:t>11/26/21</a:t>
             </a:fld>
             <a:endParaRPr lang="en-US"/>
           </a:p>
@@ -451,7 +456,7 @@
           <a:lstStyle/>
           <a:p>
             <a:fld id="{F7779CE4-B25A-5A49-BE4F-3CECA40299EA}" type="datetimeFigureOut">
-              <a:t>11/23/21</a:t>
+              <a:t>11/26/21</a:t>
             </a:fld>
             <a:endParaRPr lang="en-US"/>
           </a:p>
@@ -657,7 +662,7 @@
           <a:lstStyle/>
           <a:p>
             <a:fld id="{F7779CE4-B25A-5A49-BE4F-3CECA40299EA}" type="datetimeFigureOut">
-              <a:t>11/23/21</a:t>
+              <a:t>11/26/21</a:t>
             </a:fld>
             <a:endParaRPr lang="en-US"/>
           </a:p>
@@ -853,7 +858,7 @@
           <a:lstStyle/>
           <a:p>
             <a:fld id="{F7779CE4-B25A-5A49-BE4F-3CECA40299EA}" type="datetimeFigureOut">
-              <a:t>11/23/21</a:t>
+              <a:t>11/26/21</a:t>
             </a:fld>
             <a:endParaRPr lang="en-US"/>
           </a:p>
@@ -1126,7 +1131,7 @@
           <a:lstStyle/>
           <a:p>
             <a:fld id="{F7779CE4-B25A-5A49-BE4F-3CECA40299EA}" type="datetimeFigureOut">
-              <a:t>11/23/21</a:t>
+              <a:t>11/26/21</a:t>
             </a:fld>
             <a:endParaRPr lang="en-US"/>
           </a:p>
@@ -1389,7 +1394,7 @@
           <a:lstStyle/>
           <a:p>
             <a:fld id="{F7779CE4-B25A-5A49-BE4F-3CECA40299EA}" type="datetimeFigureOut">
-              <a:t>11/23/21</a:t>
+              <a:t>11/26/21</a:t>
             </a:fld>
             <a:endParaRPr lang="en-US"/>
           </a:p>
@@ -1799,7 +1804,7 @@
           <a:lstStyle/>
           <a:p>
             <a:fld id="{F7779CE4-B25A-5A49-BE4F-3CECA40299EA}" type="datetimeFigureOut">
-              <a:t>11/23/21</a:t>
+              <a:t>11/26/21</a:t>
             </a:fld>
             <a:endParaRPr lang="en-US"/>
           </a:p>
@@ -1938,7 +1943,7 @@
           <a:lstStyle/>
           <a:p>
             <a:fld id="{F7779CE4-B25A-5A49-BE4F-3CECA40299EA}" type="datetimeFigureOut">
-              <a:t>11/23/21</a:t>
+              <a:t>11/26/21</a:t>
             </a:fld>
             <a:endParaRPr lang="en-US"/>
           </a:p>
@@ -2049,7 +2054,7 @@
           <a:lstStyle/>
           <a:p>
             <a:fld id="{F7779CE4-B25A-5A49-BE4F-3CECA40299EA}" type="datetimeFigureOut">
-              <a:t>11/23/21</a:t>
+              <a:t>11/26/21</a:t>
             </a:fld>
             <a:endParaRPr lang="en-US"/>
           </a:p>
@@ -2358,7 +2363,7 @@
           <a:lstStyle/>
           <a:p>
             <a:fld id="{F7779CE4-B25A-5A49-BE4F-3CECA40299EA}" type="datetimeFigureOut">
-              <a:t>11/23/21</a:t>
+              <a:t>11/26/21</a:t>
             </a:fld>
             <a:endParaRPr lang="en-US"/>
           </a:p>
@@ -2644,7 +2649,7 @@
           <a:lstStyle/>
           <a:p>
             <a:fld id="{F7779CE4-B25A-5A49-BE4F-3CECA40299EA}" type="datetimeFigureOut">
-              <a:t>11/23/21</a:t>
+              <a:t>11/26/21</a:t>
             </a:fld>
             <a:endParaRPr lang="en-US"/>
           </a:p>
@@ -2883,7 +2888,7 @@
           </a:lstStyle>
           <a:p>
             <a:fld id="{F7779CE4-B25A-5A49-BE4F-3CECA40299EA}" type="datetimeFigureOut">
-              <a:t>11/23/21</a:t>
+              <a:t>11/26/21</a:t>
             </a:fld>
             <a:endParaRPr lang="en-US"/>
           </a:p>
@@ -3495,7 +3500,7 @@
         <p:spPr>
           <a:xfrm>
             <a:off x="0" y="843357"/>
-            <a:ext cx="5496246" cy="6001643"/>
+            <a:ext cx="5496246" cy="5601533"/>
           </a:xfrm>
           <a:prstGeom prst="rect">
             <a:avLst/>
@@ -3574,8 +3579,16 @@
               <a:buChar char="•"/>
             </a:pPr>
             <a:r>
+              <a:rPr lang="en-US" sz="1600" b="1">
+                <a:solidFill>
+                  <a:srgbClr val="00B050"/>
+                </a:solidFill>
+              </a:rPr>
+              <a:t>Apache Kafka is a message bus</a:t>
+            </a:r>
+            <a:r>
               <a:rPr lang="en-US" sz="1600"/>
-              <a:t>Apache Kafka is a message bus.</a:t>
+              <a:t>.</a:t>
             </a:r>
           </a:p>
           <a:p>
@@ -3585,7 +3598,31 @@
             </a:pPr>
             <a:r>
               <a:rPr lang="en-US" sz="1600"/>
-              <a:t>It is an open-source software platform for parallel high-throughput low latency processing of streams for real-time data feeds. </a:t>
+              <a:t>It is an </a:t>
+            </a:r>
+            <a:r>
+              <a:rPr lang="en-US" sz="1600">
+                <a:solidFill>
+                  <a:srgbClr val="00B050"/>
+                </a:solidFill>
+              </a:rPr>
+              <a:t>open-source</a:t>
+            </a:r>
+            <a:r>
+              <a:rPr lang="en-US" sz="1600"/>
+              <a:t> software platform for </a:t>
+            </a:r>
+            <a:r>
+              <a:rPr lang="en-US" sz="1600">
+                <a:solidFill>
+                  <a:srgbClr val="00B050"/>
+                </a:solidFill>
+              </a:rPr>
+              <a:t>parallel high-throughput low latency</a:t>
+            </a:r>
+            <a:r>
+              <a:rPr lang="en-US" sz="1600"/>
+              <a:t> processing of streams for real-time data feeds. </a:t>
             </a:r>
           </a:p>
           <a:p>
@@ -3595,7 +3632,19 @@
             </a:pPr>
             <a:r>
               <a:rPr lang="en-US" sz="1600"/>
-              <a:t>Kafka can connect to external systems (for data import/export) via Kafka Connect.</a:t>
+              <a:t>Kafka can connect to external systems (for data import/export) via </a:t>
+            </a:r>
+            <a:r>
+              <a:rPr lang="en-US" sz="1600">
+                <a:solidFill>
+                  <a:srgbClr val="00B050"/>
+                </a:solidFill>
+              </a:rPr>
+              <a:t>Kafka Connect</a:t>
+            </a:r>
+            <a:r>
+              <a:rPr lang="en-US" sz="1600"/>
+              <a:t>.</a:t>
             </a:r>
           </a:p>
           <a:p>
@@ -3605,7 +3654,19 @@
             </a:pPr>
             <a:r>
               <a:rPr lang="en-US" sz="1600"/>
-              <a:t>Kafka provides Kafka Streams, a Java stream processing library. </a:t>
+              <a:t>Kafka provides </a:t>
+            </a:r>
+            <a:r>
+              <a:rPr lang="en-US" sz="1600">
+                <a:solidFill>
+                  <a:srgbClr val="00B050"/>
+                </a:solidFill>
+              </a:rPr>
+              <a:t>Kafka Streams</a:t>
+            </a:r>
+            <a:r>
+              <a:rPr lang="en-US" sz="1600"/>
+              <a:t> (java library).</a:t>
             </a:r>
           </a:p>
           <a:p>
@@ -3615,7 +3676,19 @@
             </a:pPr>
             <a:r>
               <a:rPr lang="en-US" sz="1600"/>
-              <a:t>Kafka was originally developed at LinkedIn, and was subsequently open sourced in early 2011.</a:t>
+              <a:t>Kafka was originally developed at </a:t>
+            </a:r>
+            <a:r>
+              <a:rPr lang="en-US" sz="1600" b="1">
+                <a:solidFill>
+                  <a:srgbClr val="FF0000"/>
+                </a:solidFill>
+              </a:rPr>
+              <a:t>LinkedIn</a:t>
+            </a:r>
+            <a:r>
+              <a:rPr lang="en-US" sz="1600"/>
+              <a:t>, and was subsequently open sourced in early 2011.</a:t>
             </a:r>
           </a:p>
           <a:p>
@@ -3625,7 +3698,19 @@
             </a:pPr>
             <a:r>
               <a:rPr lang="en-US" sz="1600"/>
-              <a:t>Original authors - Jay Kreps, Neha Narkhede and Jun Rao.</a:t>
+              <a:t>Original authors -</a:t>
+            </a:r>
+            <a:r>
+              <a:rPr lang="en-US" sz="1600" b="1">
+                <a:solidFill>
+                  <a:srgbClr val="FF0000"/>
+                </a:solidFill>
+              </a:rPr>
+              <a:t> Jay Kreps, Neha Narkhede and Jun Rao</a:t>
+            </a:r>
+            <a:r>
+              <a:rPr lang="en-US" sz="1600"/>
+              <a:t>.</a:t>
             </a:r>
           </a:p>
           <a:p>
@@ -3635,7 +3720,31 @@
             </a:pPr>
             <a:r>
               <a:rPr lang="en-US" sz="1600"/>
-              <a:t>Jay Kreps named ths framework "Kafka" after the author Franz Kafka because it is "a system optimized for writing", and he liked Kafka's work.</a:t>
+              <a:t>Jay Kreps named ths framework "</a:t>
+            </a:r>
+            <a:r>
+              <a:rPr lang="en-US" sz="1600" b="1">
+                <a:solidFill>
+                  <a:srgbClr val="00B050"/>
+                </a:solidFill>
+              </a:rPr>
+              <a:t>Kafka</a:t>
+            </a:r>
+            <a:r>
+              <a:rPr lang="en-US" sz="1600"/>
+              <a:t>" after the author </a:t>
+            </a:r>
+            <a:r>
+              <a:rPr lang="en-US" sz="1600" b="1">
+                <a:solidFill>
+                  <a:srgbClr val="00B050"/>
+                </a:solidFill>
+              </a:rPr>
+              <a:t>Franz Kafka</a:t>
+            </a:r>
+            <a:r>
+              <a:rPr lang="en-US" sz="1600"/>
+              <a:t> because it is "a system optimized for writing", and he liked Kafka's work.</a:t>
             </a:r>
           </a:p>
           <a:p>
@@ -3773,7 +3882,7 @@
         <p:spPr>
           <a:xfrm>
             <a:off x="7148435" y="1639005"/>
-            <a:ext cx="1670402" cy="830997"/>
+            <a:ext cx="1670402" cy="584775"/>
           </a:xfrm>
           <a:prstGeom prst="rect">
             <a:avLst/>
@@ -3788,71 +3897,39 @@
           <a:p>
             <a:pPr algn="ctr"/>
             <a:r>
+              <a:rPr lang="en-US" sz="1600" b="1">
+                <a:solidFill>
+                  <a:srgbClr val="0070C0"/>
+                </a:solidFill>
+              </a:rPr>
+              <a:t>Jay Kreps</a:t>
+            </a:r>
+          </a:p>
+          <a:p>
+            <a:pPr algn="ctr"/>
+            <a:r>
               <a:rPr lang="en-US" sz="1600"/>
-              <a:t>Jay Kreps</a:t>
-            </a:r>
-          </a:p>
-          <a:p>
-            <a:pPr algn="ctr"/>
-            <a:r>
-              <a:rPr lang="en-US" sz="1600"/>
-              <a:t>co-founder of Confluent</a:t>
-            </a:r>
-          </a:p>
-        </p:txBody>
-      </p:sp>
-      <p:pic>
-        <p:nvPicPr>
-          <p:cNvPr id="13" name="Picture 12">
-            <a:extLst>
-              <a:ext uri="{FF2B5EF4-FFF2-40B4-BE49-F238E27FC236}">
-                <a16:creationId xmlns:a16="http://schemas.microsoft.com/office/drawing/2014/main" id="{0B530CF1-A419-924F-AEAB-F8C6BC28C03E}"/>
-              </a:ext>
-            </a:extLst>
-          </p:cNvPr>
-          <p:cNvPicPr>
-            <a:picLocks noChangeAspect="1"/>
-          </p:cNvPicPr>
+              <a:t>Confluent</a:t>
+            </a:r>
+          </a:p>
+        </p:txBody>
+      </p:sp>
+      <p:sp>
+        <p:nvSpPr>
+          <p:cNvPr id="14" name="TextBox 13">
+            <a:extLst>
+              <a:ext uri="{FF2B5EF4-FFF2-40B4-BE49-F238E27FC236}">
+                <a16:creationId xmlns:a16="http://schemas.microsoft.com/office/drawing/2014/main" id="{BF14AB3A-66D4-E84B-984D-77F2E57DB8FD}"/>
+              </a:ext>
+            </a:extLst>
+          </p:cNvPr>
+          <p:cNvSpPr txBox="1"/>
           <p:nvPr/>
-        </p:nvPicPr>
-        <p:blipFill>
-          <a:blip r:embed="rId8" cstate="email">
-            <a:extLst>
-              <a:ext uri="{28A0092B-C50C-407E-A947-70E740481C1C}">
-                <a14:useLocalDpi xmlns:a14="http://schemas.microsoft.com/office/drawing/2010/main"/>
-              </a:ext>
-            </a:extLst>
-          </a:blip>
-          <a:stretch>
-            <a:fillRect/>
-          </a:stretch>
-        </p:blipFill>
+        </p:nvSpPr>
         <p:spPr>
           <a:xfrm>
-            <a:off x="8974413" y="160280"/>
-            <a:ext cx="1295400" cy="1536700"/>
-          </a:xfrm>
-          <a:prstGeom prst="rect">
-            <a:avLst/>
-          </a:prstGeom>
-        </p:spPr>
-      </p:pic>
-      <p:sp>
-        <p:nvSpPr>
-          <p:cNvPr id="14" name="TextBox 13">
-            <a:extLst>
-              <a:ext uri="{FF2B5EF4-FFF2-40B4-BE49-F238E27FC236}">
-                <a16:creationId xmlns:a16="http://schemas.microsoft.com/office/drawing/2014/main" id="{BF14AB3A-66D4-E84B-984D-77F2E57DB8FD}"/>
-              </a:ext>
-            </a:extLst>
-          </p:cNvPr>
-          <p:cNvSpPr txBox="1"/>
-          <p:nvPr/>
-        </p:nvSpPr>
-        <p:spPr>
-          <a:xfrm>
-            <a:off x="8681983" y="1713111"/>
-            <a:ext cx="1670402" cy="830997"/>
+            <a:off x="8922326" y="1680657"/>
+            <a:ext cx="1548699" cy="584775"/>
           </a:xfrm>
           <a:prstGeom prst="rect">
             <a:avLst/>
@@ -3867,15 +3944,19 @@
           <a:p>
             <a:pPr algn="ctr"/>
             <a:r>
+              <a:rPr lang="en-US" sz="1600" b="1">
+                <a:solidFill>
+                  <a:srgbClr val="0070C0"/>
+                </a:solidFill>
+              </a:rPr>
+              <a:t>Neha Narkhede</a:t>
+            </a:r>
+          </a:p>
+          <a:p>
+            <a:pPr algn="ctr"/>
+            <a:r>
               <a:rPr lang="en-US" sz="1600"/>
-              <a:t>Neha Narkhede</a:t>
-            </a:r>
-          </a:p>
-          <a:p>
-            <a:pPr algn="ctr"/>
-            <a:r>
-              <a:rPr lang="en-US" sz="1600"/>
-              <a:t>Confluent co-founder</a:t>
+              <a:t>Confluent</a:t>
             </a:r>
           </a:p>
         </p:txBody>
@@ -3895,7 +3976,7 @@
           <p:nvPr/>
         </p:nvPicPr>
         <p:blipFill rotWithShape="1">
-          <a:blip r:embed="rId9" cstate="email">
+          <a:blip r:embed="rId8" cstate="email">
             <a:extLst>
               <a:ext uri="{28A0092B-C50C-407E-A947-70E740481C1C}">
                 <a14:useLocalDpi xmlns:a14="http://schemas.microsoft.com/office/drawing/2010/main"/>
@@ -3930,7 +4011,7 @@
         <p:spPr>
           <a:xfrm>
             <a:off x="10471026" y="1713111"/>
-            <a:ext cx="1670402" cy="830997"/>
+            <a:ext cx="1670402" cy="584775"/>
           </a:xfrm>
           <a:prstGeom prst="rect">
             <a:avLst/>
@@ -3945,15 +4026,19 @@
           <a:p>
             <a:pPr algn="ctr"/>
             <a:r>
+              <a:rPr lang="en-US" sz="1600" b="1">
+                <a:solidFill>
+                  <a:srgbClr val="0070C0"/>
+                </a:solidFill>
+              </a:rPr>
+              <a:t>Jun Rao</a:t>
+            </a:r>
+          </a:p>
+          <a:p>
+            <a:pPr algn="ctr"/>
+            <a:r>
               <a:rPr lang="en-US" sz="1600"/>
-              <a:t>Jun Rao</a:t>
-            </a:r>
-          </a:p>
-          <a:p>
-            <a:pPr algn="ctr"/>
-            <a:r>
-              <a:rPr lang="en-US" sz="1600"/>
-              <a:t>Confluent co-founder</a:t>
+              <a:t>Confluent</a:t>
             </a:r>
           </a:p>
         </p:txBody>
@@ -3973,7 +4058,7 @@
           <p:nvPr/>
         </p:nvPicPr>
         <p:blipFill>
-          <a:blip r:embed="rId10" cstate="email">
+          <a:blip r:embed="rId9" cstate="email">
             <a:extLst>
               <a:ext uri="{28A0092B-C50C-407E-A947-70E740481C1C}">
                 <a14:useLocalDpi xmlns:a14="http://schemas.microsoft.com/office/drawing/2010/main"/>
@@ -3988,6 +4073,42 @@
           <a:xfrm>
             <a:off x="5830569" y="3222536"/>
             <a:ext cx="6265233" cy="3226127"/>
+          </a:xfrm>
+          <a:prstGeom prst="rect">
+            <a:avLst/>
+          </a:prstGeom>
+        </p:spPr>
+      </p:pic>
+      <p:pic>
+        <p:nvPicPr>
+          <p:cNvPr id="2" name="Picture 1">
+            <a:extLst>
+              <a:ext uri="{FF2B5EF4-FFF2-40B4-BE49-F238E27FC236}">
+                <a16:creationId xmlns:a16="http://schemas.microsoft.com/office/drawing/2014/main" id="{DFD061B3-D2D9-A744-B4BE-5B8A908877AD}"/>
+              </a:ext>
+            </a:extLst>
+          </p:cNvPr>
+          <p:cNvPicPr>
+            <a:picLocks noChangeAspect="1"/>
+          </p:cNvPicPr>
+          <p:nvPr/>
+        </p:nvPicPr>
+        <p:blipFill>
+          <a:blip r:embed="rId10" cstate="email">
+            <a:extLst>
+              <a:ext uri="{28A0092B-C50C-407E-A947-70E740481C1C}">
+                <a14:useLocalDpi xmlns:a14="http://schemas.microsoft.com/office/drawing/2010/main"/>
+              </a:ext>
+            </a:extLst>
+          </a:blip>
+          <a:stretch>
+            <a:fillRect/>
+          </a:stretch>
+        </p:blipFill>
+        <p:spPr>
+          <a:xfrm>
+            <a:off x="9060107" y="146754"/>
+            <a:ext cx="1206500" cy="1511300"/>
           </a:xfrm>
           <a:prstGeom prst="rect">
             <a:avLst/>
@@ -4149,10 +4270,19 @@
                 <a:ea typeface="Menlo" panose="020B0609030804020204" pitchFamily="49" charset="0"/>
                 <a:cs typeface="Menlo" panose="020B0609030804020204" pitchFamily="49" charset="0"/>
               </a:rPr>
-              <a:t>  message - immutable array of bytes</a:t>
-            </a:r>
-          </a:p>
-          <a:p>
+              <a:t>  </a:t>
+            </a:r>
+            <a:r>
+              <a:rPr lang="en-US" sz="1200" b="1" dirty="0">
+                <a:solidFill>
+                  <a:srgbClr val="FF0000"/>
+                </a:solidFill>
+                <a:latin typeface="Menlo" panose="020B0609030804020204" pitchFamily="49" charset="0"/>
+                <a:ea typeface="Menlo" panose="020B0609030804020204" pitchFamily="49" charset="0"/>
+                <a:cs typeface="Menlo" panose="020B0609030804020204" pitchFamily="49" charset="0"/>
+              </a:rPr>
+              <a:t>message</a:t>
+            </a:r>
             <a:r>
               <a:rPr lang="en-US" sz="1200" dirty="0">
                 <a:solidFill>
@@ -4162,7 +4292,7 @@
                 <a:ea typeface="Menlo" panose="020B0609030804020204" pitchFamily="49" charset="0"/>
                 <a:cs typeface="Menlo" panose="020B0609030804020204" pitchFamily="49" charset="0"/>
               </a:rPr>
-              <a:t>  topic - a feed of messages</a:t>
+              <a:t> - immutable array of bytes</a:t>
             </a:r>
           </a:p>
           <a:p>
@@ -4175,10 +4305,19 @@
                 <a:ea typeface="Menlo" panose="020B0609030804020204" pitchFamily="49" charset="0"/>
                 <a:cs typeface="Menlo" panose="020B0609030804020204" pitchFamily="49" charset="0"/>
               </a:rPr>
-              <a:t>  producer - publishes messages to a topic</a:t>
-            </a:r>
-          </a:p>
-          <a:p>
+              <a:t>  </a:t>
+            </a:r>
+            <a:r>
+              <a:rPr lang="en-US" sz="1200" b="1" dirty="0">
+                <a:solidFill>
+                  <a:srgbClr val="FF0000"/>
+                </a:solidFill>
+                <a:latin typeface="Menlo" panose="020B0609030804020204" pitchFamily="49" charset="0"/>
+                <a:ea typeface="Menlo" panose="020B0609030804020204" pitchFamily="49" charset="0"/>
+                <a:cs typeface="Menlo" panose="020B0609030804020204" pitchFamily="49" charset="0"/>
+              </a:rPr>
+              <a:t>topic</a:t>
+            </a:r>
             <a:r>
               <a:rPr lang="en-US" sz="1200" dirty="0">
                 <a:solidFill>
@@ -4188,7 +4327,7 @@
                 <a:ea typeface="Menlo" panose="020B0609030804020204" pitchFamily="49" charset="0"/>
                 <a:cs typeface="Menlo" panose="020B0609030804020204" pitchFamily="49" charset="0"/>
               </a:rPr>
-              <a:t>  consumer (single-threaded subscriber)</a:t>
+              <a:t> - a feed of messages</a:t>
             </a:r>
           </a:p>
           <a:p>
@@ -4201,7 +4340,99 @@
                 <a:ea typeface="Menlo" panose="020B0609030804020204" pitchFamily="49" charset="0"/>
                 <a:cs typeface="Menlo" panose="020B0609030804020204" pitchFamily="49" charset="0"/>
               </a:rPr>
-              <a:t>  broker - one of the servers that comprise Kafka cluster</a:t>
+              <a:t>  </a:t>
+            </a:r>
+            <a:r>
+              <a:rPr lang="en-US" sz="1200" b="1" dirty="0">
+                <a:solidFill>
+                  <a:srgbClr val="FF0000"/>
+                </a:solidFill>
+                <a:latin typeface="Menlo" panose="020B0609030804020204" pitchFamily="49" charset="0"/>
+                <a:ea typeface="Menlo" panose="020B0609030804020204" pitchFamily="49" charset="0"/>
+                <a:cs typeface="Menlo" panose="020B0609030804020204" pitchFamily="49" charset="0"/>
+              </a:rPr>
+              <a:t>producer</a:t>
+            </a:r>
+            <a:r>
+              <a:rPr lang="en-US" sz="1200" dirty="0">
+                <a:solidFill>
+                  <a:srgbClr val="0070C0"/>
+                </a:solidFill>
+                <a:latin typeface="Menlo" panose="020B0609030804020204" pitchFamily="49" charset="0"/>
+                <a:ea typeface="Menlo" panose="020B0609030804020204" pitchFamily="49" charset="0"/>
+                <a:cs typeface="Menlo" panose="020B0609030804020204" pitchFamily="49" charset="0"/>
+              </a:rPr>
+              <a:t> - publishes messages to a topic</a:t>
+            </a:r>
+          </a:p>
+          <a:p>
+            <a:r>
+              <a:rPr lang="en-US" sz="1200" dirty="0">
+                <a:solidFill>
+                  <a:srgbClr val="0070C0"/>
+                </a:solidFill>
+                <a:latin typeface="Menlo" panose="020B0609030804020204" pitchFamily="49" charset="0"/>
+                <a:ea typeface="Menlo" panose="020B0609030804020204" pitchFamily="49" charset="0"/>
+                <a:cs typeface="Menlo" panose="020B0609030804020204" pitchFamily="49" charset="0"/>
+              </a:rPr>
+              <a:t>  </a:t>
+            </a:r>
+            <a:r>
+              <a:rPr lang="en-US" sz="1200" b="1" dirty="0">
+                <a:solidFill>
+                  <a:srgbClr val="FF0000"/>
+                </a:solidFill>
+                <a:latin typeface="Menlo" panose="020B0609030804020204" pitchFamily="49" charset="0"/>
+                <a:ea typeface="Menlo" panose="020B0609030804020204" pitchFamily="49" charset="0"/>
+                <a:cs typeface="Menlo" panose="020B0609030804020204" pitchFamily="49" charset="0"/>
+              </a:rPr>
+              <a:t>consumer</a:t>
+            </a:r>
+            <a:r>
+              <a:rPr lang="en-US" sz="1200" dirty="0">
+                <a:solidFill>
+                  <a:srgbClr val="0070C0"/>
+                </a:solidFill>
+                <a:latin typeface="Menlo" panose="020B0609030804020204" pitchFamily="49" charset="0"/>
+                <a:ea typeface="Menlo" panose="020B0609030804020204" pitchFamily="49" charset="0"/>
+                <a:cs typeface="Menlo" panose="020B0609030804020204" pitchFamily="49" charset="0"/>
+              </a:rPr>
+              <a:t> (single-threaded subscriber)</a:t>
+            </a:r>
+          </a:p>
+          <a:p>
+            <a:r>
+              <a:rPr lang="en-US" sz="1200" dirty="0">
+                <a:solidFill>
+                  <a:srgbClr val="0070C0"/>
+                </a:solidFill>
+                <a:latin typeface="Menlo" panose="020B0609030804020204" pitchFamily="49" charset="0"/>
+                <a:ea typeface="Menlo" panose="020B0609030804020204" pitchFamily="49" charset="0"/>
+                <a:cs typeface="Menlo" panose="020B0609030804020204" pitchFamily="49" charset="0"/>
+              </a:rPr>
+              <a:t>  </a:t>
+            </a:r>
+            <a:r>
+              <a:rPr lang="en-US" sz="1200" b="1" dirty="0">
+                <a:solidFill>
+                  <a:srgbClr val="FF0000"/>
+                </a:solidFill>
+                <a:latin typeface="Menlo" panose="020B0609030804020204" pitchFamily="49" charset="0"/>
+                <a:ea typeface="Menlo" panose="020B0609030804020204" pitchFamily="49" charset="0"/>
+                <a:cs typeface="Menlo" panose="020B0609030804020204" pitchFamily="49" charset="0"/>
+              </a:rPr>
+              <a:t>broker</a:t>
+            </a:r>
+            <a:r>
+              <a:rPr lang="en-US" sz="1200" dirty="0">
+                <a:solidFill>
+                  <a:srgbClr val="0070C0"/>
+                </a:solidFill>
+                <a:latin typeface="Menlo" panose="020B0609030804020204" pitchFamily="49" charset="0"/>
+                <a:ea typeface="Menlo" panose="020B0609030804020204" pitchFamily="49" charset="0"/>
+                <a:cs typeface="Menlo" panose="020B0609030804020204" pitchFamily="49" charset="0"/>
+              </a:rPr>
+              <a:t> - one of the servers that comprise Kafka cluster</a:t>
             </a:r>
           </a:p>
           <a:p>
@@ -4216,7 +4447,29 @@
           </a:p>
           <a:p>
             <a:r>
-              <a:rPr lang="en-US" sz="1200" dirty="0" err="1">
+              <a:rPr lang="en-US" sz="1200" b="1" dirty="0" err="1">
+                <a:solidFill>
+                  <a:srgbClr val="FF0000"/>
+                </a:solidFill>
+                <a:latin typeface="Menlo" panose="020B0609030804020204" pitchFamily="49" charset="0"/>
+                <a:ea typeface="Menlo" panose="020B0609030804020204" pitchFamily="49" charset="0"/>
+                <a:cs typeface="Menlo" panose="020B0609030804020204" pitchFamily="49" charset="0"/>
+              </a:rPr>
+              <a:t>Kafka'a</a:t>
+            </a:r>
+            <a:r>
+              <a:rPr lang="en-US" sz="1200" b="1" dirty="0">
+                <a:solidFill>
+                  <a:srgbClr val="FF0000"/>
+                </a:solidFill>
+                <a:latin typeface="Menlo" panose="020B0609030804020204" pitchFamily="49" charset="0"/>
+                <a:ea typeface="Menlo" panose="020B0609030804020204" pitchFamily="49" charset="0"/>
+                <a:cs typeface="Menlo" panose="020B0609030804020204" pitchFamily="49" charset="0"/>
+              </a:rPr>
+              <a:t> topic</a:t>
+            </a:r>
+            <a:r>
+              <a:rPr lang="en-US" sz="1200" dirty="0">
                 <a:solidFill>
                   <a:srgbClr val="0070C0"/>
                 </a:solidFill>
@@ -4224,18 +4477,7 @@
                 <a:ea typeface="Menlo" panose="020B0609030804020204" pitchFamily="49" charset="0"/>
                 <a:cs typeface="Menlo" panose="020B0609030804020204" pitchFamily="49" charset="0"/>
               </a:rPr>
-              <a:t>Kafka'a</a:t>
-            </a:r>
-            <a:r>
-              <a:rPr lang="en-US" sz="1200" dirty="0">
-                <a:solidFill>
-                  <a:srgbClr val="0070C0"/>
-                </a:solidFill>
-                <a:latin typeface="Menlo" panose="020B0609030804020204" pitchFamily="49" charset="0"/>
-                <a:ea typeface="Menlo" panose="020B0609030804020204" pitchFamily="49" charset="0"/>
-                <a:cs typeface="Menlo" panose="020B0609030804020204" pitchFamily="49" charset="0"/>
-              </a:rPr>
-              <a:t> topic is basically a pipe, a messaging bus</a:t>
+              <a:t> is basically a pipe, a messaging bus</a:t>
             </a:r>
           </a:p>
           <a:p>
@@ -4499,7 +4741,7 @@
         <p:spPr>
           <a:xfrm>
             <a:off x="269372" y="2735746"/>
-            <a:ext cx="7181850" cy="2862322"/>
+            <a:ext cx="7181850" cy="3046988"/>
           </a:xfrm>
           <a:prstGeom prst="rect">
             <a:avLst/>
@@ -4595,7 +4837,18 @@
                 <a:ea typeface="Menlo" panose="020B0609030804020204" pitchFamily="49" charset="0"/>
                 <a:cs typeface="Menlo" panose="020B0609030804020204" pitchFamily="49" charset="0"/>
               </a:rPr>
-              <a:t>  producers, consumer, topics</a:t>
+              <a:t>  </a:t>
+            </a:r>
+            <a:r>
+              <a:rPr lang="en-US" sz="1200" b="1">
+                <a:solidFill>
+                  <a:srgbClr val="FF0000"/>
+                </a:solidFill>
+                <a:latin typeface="Menlo" panose="020B0609030804020204" pitchFamily="49" charset="0"/>
+                <a:ea typeface="Menlo" panose="020B0609030804020204" pitchFamily="49" charset="0"/>
+                <a:cs typeface="Menlo" panose="020B0609030804020204" pitchFamily="49" charset="0"/>
+              </a:rPr>
+              <a:t>producers, consumer, topics</a:t>
             </a:r>
           </a:p>
           <a:p>
@@ -4617,6 +4870,13 @@
               </a:rPr>
               <a:t>  consumers take messages out of topics </a:t>
             </a:r>
+          </a:p>
+          <a:p>
+            <a:endParaRPr lang="en-US" sz="1200">
+              <a:latin typeface="Menlo" panose="020B0609030804020204" pitchFamily="49" charset="0"/>
+              <a:ea typeface="Menlo" panose="020B0609030804020204" pitchFamily="49" charset="0"/>
+              <a:cs typeface="Menlo" panose="020B0609030804020204" pitchFamily="49" charset="0"/>
+            </a:endParaRPr>
           </a:p>
           <a:p>
             <a:r>
